--- a/Guided Capstone Slide Deck.pptx
+++ b/Guided Capstone Slide Deck.pptx
@@ -6363,7 +6363,7 @@
                   <a:schemeClr val="dk1"/>
                 </a:solidFill>
               </a:rPr>
-              <a:t>Task: To increase the revenue by at least $1,540,000 for next season</a:t>
+              <a:t>Task: Increase the revenue by at least $1,540,000 for next season</a:t>
             </a:r>
             <a:endParaRPr sz="1600">
               <a:solidFill>
@@ -6991,7 +6991,7 @@
                   <a:schemeClr val="dk1"/>
                 </a:solidFill>
               </a:rPr>
-              <a:t>andom forest regression model</a:t>
+              <a:t>andom Forest Regression Model</a:t>
             </a:r>
             <a:endParaRPr sz="1600">
               <a:solidFill>
@@ -7022,7 +7022,7 @@
                   <a:schemeClr val="dk1"/>
                 </a:solidFill>
               </a:rPr>
-              <a:t>Modeled price: $95.8</a:t>
+              <a:t>Modeled Price: $95.8</a:t>
             </a:r>
             <a:r>
               <a:rPr lang="en" sz="1600">
@@ -7080,7 +7080,7 @@
                   <a:schemeClr val="dk1"/>
                 </a:solidFill>
               </a:rPr>
-              <a:t>Additional information</a:t>
+              <a:t>Additional Information</a:t>
             </a:r>
             <a:endParaRPr sz="1600">
               <a:solidFill>
@@ -7951,7 +7951,7 @@
                   <a:schemeClr val="dk1"/>
                 </a:solidFill>
               </a:rPr>
-              <a:t>Prospective improvement</a:t>
+              <a:t>Prospective Improvement</a:t>
             </a:r>
             <a:endParaRPr sz="1600">
               <a:solidFill>
